--- a/6304_ВоронинФомин_ТСР_ЛР_0_през.pptx
+++ b/6304_ВоронинФомин_ТСР_ЛР_0_през.pptx
@@ -114,7 +114,7 @@
   </p:defaultTextStyle>
   <p:extLst>
     <p:ext uri="{EFAFB233-063F-42B5-8137-9DF3F51BA10A}">
-      <p15:sldGuideLst xmlns:p15="http://schemas.microsoft.com/office/powerpoint/2012/main">
+      <p15:sldGuideLst xmlns:p15="http://schemas.microsoft.com/office/powerpoint/2012/main" xmlns="">
         <p15:guide id="1" orient="horz" pos="2160" userDrawn="1">
           <p15:clr>
             <a:srgbClr val="A4A3A4"/>
@@ -577,7 +577,7 @@
         <p:cNvPr id="1" name="">
           <a:extLst>
             <a:ext uri="{FF2B5EF4-FFF2-40B4-BE49-F238E27FC236}">
-              <a16:creationId xmlns:a16="http://schemas.microsoft.com/office/drawing/2014/main" id="{B334DE7C-1FE1-0674-0E85-B13B72EF9A1D}"/>
+              <a16:creationId xmlns:a16="http://schemas.microsoft.com/office/drawing/2014/main" xmlns="" id="{B334DE7C-1FE1-0674-0E85-B13B72EF9A1D}"/>
             </a:ext>
           </a:extLst>
         </p:cNvPr>
@@ -597,7 +597,7 @@
           <p:cNvPr id="2" name="Образ слайда 1">
             <a:extLst>
               <a:ext uri="{FF2B5EF4-FFF2-40B4-BE49-F238E27FC236}">
-                <a16:creationId xmlns:a16="http://schemas.microsoft.com/office/drawing/2014/main" id="{0BBCCA82-D790-E2C5-1B50-C378E342A043}"/>
+                <a16:creationId xmlns:a16="http://schemas.microsoft.com/office/drawing/2014/main" xmlns="" id="{0BBCCA82-D790-E2C5-1B50-C378E342A043}"/>
               </a:ext>
             </a:extLst>
           </p:cNvPr>
@@ -620,7 +620,7 @@
           <p:cNvPr id="3" name="Заметки 2">
             <a:extLst>
               <a:ext uri="{FF2B5EF4-FFF2-40B4-BE49-F238E27FC236}">
-                <a16:creationId xmlns:a16="http://schemas.microsoft.com/office/drawing/2014/main" id="{3C185B08-198B-BEB6-F2E2-684C640D1E57}"/>
+                <a16:creationId xmlns:a16="http://schemas.microsoft.com/office/drawing/2014/main" xmlns="" id="{3C185B08-198B-BEB6-F2E2-684C640D1E57}"/>
               </a:ext>
             </a:extLst>
           </p:cNvPr>
@@ -645,7 +645,7 @@
           <p:cNvPr id="4" name="Номер слайда 3">
             <a:extLst>
               <a:ext uri="{FF2B5EF4-FFF2-40B4-BE49-F238E27FC236}">
-                <a16:creationId xmlns:a16="http://schemas.microsoft.com/office/drawing/2014/main" id="{044B2FAD-F67E-97E8-C093-DC666ED81997}"/>
+                <a16:creationId xmlns:a16="http://schemas.microsoft.com/office/drawing/2014/main" xmlns="" id="{044B2FAD-F67E-97E8-C093-DC666ED81997}"/>
               </a:ext>
             </a:extLst>
           </p:cNvPr>
@@ -690,7 +690,7 @@
         <p:cNvPr id="1" name="">
           <a:extLst>
             <a:ext uri="{FF2B5EF4-FFF2-40B4-BE49-F238E27FC236}">
-              <a16:creationId xmlns:a16="http://schemas.microsoft.com/office/drawing/2014/main" id="{BAADF6CC-1669-3E40-6335-903CCCAB00C0}"/>
+              <a16:creationId xmlns:a16="http://schemas.microsoft.com/office/drawing/2014/main" xmlns="" id="{BAADF6CC-1669-3E40-6335-903CCCAB00C0}"/>
             </a:ext>
           </a:extLst>
         </p:cNvPr>
@@ -710,7 +710,7 @@
           <p:cNvPr id="2" name="Образ слайда 1">
             <a:extLst>
               <a:ext uri="{FF2B5EF4-FFF2-40B4-BE49-F238E27FC236}">
-                <a16:creationId xmlns:a16="http://schemas.microsoft.com/office/drawing/2014/main" id="{250A1958-DF08-FDE6-7F55-547E33CDF289}"/>
+                <a16:creationId xmlns:a16="http://schemas.microsoft.com/office/drawing/2014/main" xmlns="" id="{250A1958-DF08-FDE6-7F55-547E33CDF289}"/>
               </a:ext>
             </a:extLst>
           </p:cNvPr>
@@ -733,7 +733,7 @@
           <p:cNvPr id="3" name="Заметки 2">
             <a:extLst>
               <a:ext uri="{FF2B5EF4-FFF2-40B4-BE49-F238E27FC236}">
-                <a16:creationId xmlns:a16="http://schemas.microsoft.com/office/drawing/2014/main" id="{81433F84-7D75-30BF-B493-2936521DC0B3}"/>
+                <a16:creationId xmlns:a16="http://schemas.microsoft.com/office/drawing/2014/main" xmlns="" id="{81433F84-7D75-30BF-B493-2936521DC0B3}"/>
               </a:ext>
             </a:extLst>
           </p:cNvPr>
@@ -758,7 +758,7 @@
           <p:cNvPr id="4" name="Номер слайда 3">
             <a:extLst>
               <a:ext uri="{FF2B5EF4-FFF2-40B4-BE49-F238E27FC236}">
-                <a16:creationId xmlns:a16="http://schemas.microsoft.com/office/drawing/2014/main" id="{190B122A-2EDE-2D15-8239-17CEEA3AC7EC}"/>
+                <a16:creationId xmlns:a16="http://schemas.microsoft.com/office/drawing/2014/main" xmlns="" id="{190B122A-2EDE-2D15-8239-17CEEA3AC7EC}"/>
               </a:ext>
             </a:extLst>
           </p:cNvPr>
@@ -4023,8 +4023,8 @@
         </p:nvSpPr>
         <p:spPr>
           <a:xfrm>
-            <a:off x="1391130" y="944539"/>
-            <a:ext cx="9645044" cy="1392689"/>
+            <a:off x="1037449" y="875528"/>
+            <a:ext cx="7347428" cy="2039020"/>
           </a:xfrm>
           <a:prstGeom prst="rect">
             <a:avLst/>
@@ -4043,36 +4043,38 @@
               </a:spcAft>
             </a:pPr>
             <a:r>
-              <a:rPr lang="ru-RU" b="0" i="0" dirty="0">
+              <a:rPr lang="ru-RU" sz="2400" b="0" i="0" dirty="0">
                 <a:effectLst/>
-                <a:latin typeface="Inter"/>
+                <a:latin typeface="Times New Roman" pitchFamily="18" charset="0"/>
+                <a:cs typeface="Times New Roman" pitchFamily="18" charset="0"/>
               </a:rPr>
               <a:t>“Art Gallery” стремится сделать мир искусства более открытым и доступным, соединяя талантливых художников с их потенциальными покупателями и </a:t>
             </a:r>
             <a:r>
-              <a:rPr lang="ru-RU" b="0" i="0" dirty="0" err="1">
+              <a:rPr lang="ru-RU" sz="2400" b="0" i="0" dirty="0" smtClean="0">
                 <a:effectLst/>
-                <a:latin typeface="Inter"/>
+                <a:latin typeface="Times New Roman" pitchFamily="18" charset="0"/>
+                <a:cs typeface="Times New Roman" pitchFamily="18" charset="0"/>
               </a:rPr>
-              <a:t>ценителями.</a:t>
-            </a:r>
-            <a:r>
-              <a:rPr lang="ru-RU" sz="1800" kern="1400" spc="25" dirty="0" err="1">
+              <a:t>ценителями </a:t>
+            </a:r>
+            <a:r>
+              <a:rPr lang="ru-RU" sz="2400" kern="1400" spc="25" dirty="0" smtClean="0">
                 <a:effectLst/>
-                <a:latin typeface="Cambria" panose="02040503050406030204" pitchFamily="18" charset="0"/>
+                <a:latin typeface="Times New Roman" pitchFamily="18" charset="0"/>
                 <a:ea typeface="Times New Roman" panose="02020603050405020304" pitchFamily="18" charset="0"/>
-                <a:cs typeface="Times New Roman" panose="02020603050405020304" pitchFamily="18" charset="0"/>
+                <a:cs typeface="Times New Roman" pitchFamily="18" charset="0"/>
               </a:rPr>
-              <a:t>художников</a:t>
-            </a:r>
-            <a:r>
-              <a:rPr lang="ru-RU" sz="1800" kern="1400" spc="25" dirty="0">
+              <a:t>художников </a:t>
+            </a:r>
+            <a:r>
+              <a:rPr lang="ru-RU" sz="2400" kern="1400" spc="25" dirty="0">
                 <a:effectLst/>
-                <a:latin typeface="Cambria" panose="02040503050406030204" pitchFamily="18" charset="0"/>
+                <a:latin typeface="Times New Roman" pitchFamily="18" charset="0"/>
                 <a:ea typeface="Times New Roman" panose="02020603050405020304" pitchFamily="18" charset="0"/>
-                <a:cs typeface="Times New Roman" panose="02020603050405020304" pitchFamily="18" charset="0"/>
+                <a:cs typeface="Times New Roman" pitchFamily="18" charset="0"/>
               </a:rPr>
-              <a:t> и картин”.</a:t>
+              <a:t>и картин”.</a:t>
             </a:r>
           </a:p>
           <a:p>
@@ -4173,6 +4175,262 @@
           </a:p>
         </p:txBody>
       </p:sp>
+      <p:pic>
+        <p:nvPicPr>
+          <p:cNvPr id="9" name="Picture 2"/>
+          <p:cNvPicPr>
+            <a:picLocks noChangeAspect="1" noChangeArrowheads="1"/>
+          </p:cNvPicPr>
+          <p:nvPr/>
+        </p:nvPicPr>
+        <p:blipFill>
+          <a:blip r:embed="rId4" cstate="print">
+            <a:extLst>
+              <a:ext uri="{28A0092B-C50C-407E-A947-70E740481C1C}">
+                <a14:useLocalDpi xmlns:a14="http://schemas.microsoft.com/office/drawing/2010/main" val="0"/>
+              </a:ext>
+            </a:extLst>
+          </a:blip>
+          <a:srcRect/>
+          <a:stretch>
+            <a:fillRect/>
+          </a:stretch>
+        </p:blipFill>
+        <p:spPr bwMode="auto">
+          <a:xfrm>
+            <a:off x="9364661" y="944539"/>
+            <a:ext cx="1741098" cy="1741098"/>
+          </a:xfrm>
+          <a:prstGeom prst="rect">
+            <a:avLst/>
+          </a:prstGeom>
+          <a:noFill/>
+          <a:ln>
+            <a:noFill/>
+          </a:ln>
+          <a:effectLst/>
+          <a:extLst>
+            <a:ext uri="{909E8E84-426E-40DD-AFC4-6F175D3DCCD1}">
+              <a14:hiddenFill xmlns:a14="http://schemas.microsoft.com/office/drawing/2010/main">
+                <a:solidFill>
+                  <a:schemeClr val="accent1"/>
+                </a:solidFill>
+              </a14:hiddenFill>
+            </a:ext>
+            <a:ext uri="{91240B29-F687-4F45-9708-019B960494DF}">
+              <a14:hiddenLine xmlns:a14="http://schemas.microsoft.com/office/drawing/2010/main" w="9525">
+                <a:solidFill>
+                  <a:schemeClr val="tx1"/>
+                </a:solidFill>
+                <a:miter lim="800000"/>
+                <a:headEnd/>
+                <a:tailEnd/>
+              </a14:hiddenLine>
+            </a:ext>
+            <a:ext uri="{AF507438-7753-43E0-B8FC-AC1667EBCBE1}">
+              <a14:hiddenEffects xmlns:a14="http://schemas.microsoft.com/office/drawing/2010/main">
+                <a:effectLst>
+                  <a:outerShdw dist="35921" dir="2700000" algn="ctr" rotWithShape="0">
+                    <a:schemeClr val="bg2"/>
+                  </a:outerShdw>
+                </a:effectLst>
+              </a14:hiddenEffects>
+            </a:ext>
+          </a:extLst>
+        </p:spPr>
+      </p:pic>
+      <p:pic>
+        <p:nvPicPr>
+          <p:cNvPr id="1027" name="Picture 3"/>
+          <p:cNvPicPr>
+            <a:picLocks noChangeAspect="1" noChangeArrowheads="1"/>
+          </p:cNvPicPr>
+          <p:nvPr/>
+        </p:nvPicPr>
+        <p:blipFill>
+          <a:blip r:embed="rId5">
+            <a:extLst>
+              <a:ext uri="{28A0092B-C50C-407E-A947-70E740481C1C}">
+                <a14:useLocalDpi xmlns:a14="http://schemas.microsoft.com/office/drawing/2010/main" val="0"/>
+              </a:ext>
+            </a:extLst>
+          </a:blip>
+          <a:srcRect/>
+          <a:stretch>
+            <a:fillRect/>
+          </a:stretch>
+        </p:blipFill>
+        <p:spPr bwMode="auto">
+          <a:xfrm>
+            <a:off x="594654" y="2914548"/>
+            <a:ext cx="3963415" cy="2585102"/>
+          </a:xfrm>
+          <a:prstGeom prst="rect">
+            <a:avLst/>
+          </a:prstGeom>
+          <a:noFill/>
+          <a:ln>
+            <a:noFill/>
+          </a:ln>
+          <a:effectLst/>
+          <a:extLst>
+            <a:ext uri="{909E8E84-426E-40DD-AFC4-6F175D3DCCD1}">
+              <a14:hiddenFill xmlns:a14="http://schemas.microsoft.com/office/drawing/2010/main">
+                <a:solidFill>
+                  <a:schemeClr val="accent1"/>
+                </a:solidFill>
+              </a14:hiddenFill>
+            </a:ext>
+            <a:ext uri="{91240B29-F687-4F45-9708-019B960494DF}">
+              <a14:hiddenLine xmlns:a14="http://schemas.microsoft.com/office/drawing/2010/main" w="9525">
+                <a:solidFill>
+                  <a:schemeClr val="tx1"/>
+                </a:solidFill>
+                <a:miter lim="800000"/>
+                <a:headEnd/>
+                <a:tailEnd/>
+              </a14:hiddenLine>
+            </a:ext>
+            <a:ext uri="{AF507438-7753-43E0-B8FC-AC1667EBCBE1}">
+              <a14:hiddenEffects xmlns:a14="http://schemas.microsoft.com/office/drawing/2010/main">
+                <a:effectLst>
+                  <a:outerShdw dist="35921" dir="2700000" algn="ctr" rotWithShape="0">
+                    <a:schemeClr val="bg2"/>
+                  </a:outerShdw>
+                </a:effectLst>
+              </a14:hiddenEffects>
+            </a:ext>
+          </a:extLst>
+        </p:spPr>
+      </p:pic>
+      <p:pic>
+        <p:nvPicPr>
+          <p:cNvPr id="1029" name="Picture 5"/>
+          <p:cNvPicPr>
+            <a:picLocks noChangeAspect="1" noChangeArrowheads="1"/>
+          </p:cNvPicPr>
+          <p:nvPr/>
+        </p:nvPicPr>
+        <p:blipFill>
+          <a:blip r:embed="rId6">
+            <a:extLst>
+              <a:ext uri="{28A0092B-C50C-407E-A947-70E740481C1C}">
+                <a14:useLocalDpi xmlns:a14="http://schemas.microsoft.com/office/drawing/2010/main" val="0"/>
+              </a:ext>
+            </a:extLst>
+          </a:blip>
+          <a:srcRect/>
+          <a:stretch>
+            <a:fillRect/>
+          </a:stretch>
+        </p:blipFill>
+        <p:spPr bwMode="auto">
+          <a:xfrm>
+            <a:off x="7562087" y="2914548"/>
+            <a:ext cx="4009151" cy="2585101"/>
+          </a:xfrm>
+          <a:prstGeom prst="rect">
+            <a:avLst/>
+          </a:prstGeom>
+          <a:noFill/>
+          <a:ln>
+            <a:noFill/>
+          </a:ln>
+          <a:effectLst/>
+          <a:extLst>
+            <a:ext uri="{909E8E84-426E-40DD-AFC4-6F175D3DCCD1}">
+              <a14:hiddenFill xmlns:a14="http://schemas.microsoft.com/office/drawing/2010/main">
+                <a:solidFill>
+                  <a:schemeClr val="accent1"/>
+                </a:solidFill>
+              </a14:hiddenFill>
+            </a:ext>
+            <a:ext uri="{91240B29-F687-4F45-9708-019B960494DF}">
+              <a14:hiddenLine xmlns:a14="http://schemas.microsoft.com/office/drawing/2010/main" w="9525">
+                <a:solidFill>
+                  <a:schemeClr val="tx1"/>
+                </a:solidFill>
+                <a:miter lim="800000"/>
+                <a:headEnd/>
+                <a:tailEnd/>
+              </a14:hiddenLine>
+            </a:ext>
+            <a:ext uri="{AF507438-7753-43E0-B8FC-AC1667EBCBE1}">
+              <a14:hiddenEffects xmlns:a14="http://schemas.microsoft.com/office/drawing/2010/main">
+                <a:effectLst>
+                  <a:outerShdw dist="35921" dir="2700000" algn="ctr" rotWithShape="0">
+                    <a:schemeClr val="bg2"/>
+                  </a:outerShdw>
+                </a:effectLst>
+              </a14:hiddenEffects>
+            </a:ext>
+          </a:extLst>
+        </p:spPr>
+      </p:pic>
+      <p:pic>
+        <p:nvPicPr>
+          <p:cNvPr id="1028" name="Picture 4"/>
+          <p:cNvPicPr>
+            <a:picLocks noChangeAspect="1" noChangeArrowheads="1"/>
+          </p:cNvPicPr>
+          <p:nvPr/>
+        </p:nvPicPr>
+        <p:blipFill>
+          <a:blip r:embed="rId7">
+            <a:extLst>
+              <a:ext uri="{28A0092B-C50C-407E-A947-70E740481C1C}">
+                <a14:useLocalDpi xmlns:a14="http://schemas.microsoft.com/office/drawing/2010/main" val="0"/>
+              </a:ext>
+            </a:extLst>
+          </a:blip>
+          <a:srcRect/>
+          <a:stretch>
+            <a:fillRect/>
+          </a:stretch>
+        </p:blipFill>
+        <p:spPr bwMode="auto">
+          <a:xfrm>
+            <a:off x="4030522" y="3410256"/>
+            <a:ext cx="3979030" cy="2585102"/>
+          </a:xfrm>
+          <a:prstGeom prst="rect">
+            <a:avLst/>
+          </a:prstGeom>
+          <a:noFill/>
+          <a:ln>
+            <a:noFill/>
+          </a:ln>
+          <a:effectLst/>
+          <a:extLst>
+            <a:ext uri="{909E8E84-426E-40DD-AFC4-6F175D3DCCD1}">
+              <a14:hiddenFill xmlns:a14="http://schemas.microsoft.com/office/drawing/2010/main">
+                <a:solidFill>
+                  <a:schemeClr val="accent1"/>
+                </a:solidFill>
+              </a14:hiddenFill>
+            </a:ext>
+            <a:ext uri="{91240B29-F687-4F45-9708-019B960494DF}">
+              <a14:hiddenLine xmlns:a14="http://schemas.microsoft.com/office/drawing/2010/main" w="9525">
+                <a:solidFill>
+                  <a:schemeClr val="tx1"/>
+                </a:solidFill>
+                <a:miter lim="800000"/>
+                <a:headEnd/>
+                <a:tailEnd/>
+              </a14:hiddenLine>
+            </a:ext>
+            <a:ext uri="{AF507438-7753-43E0-B8FC-AC1667EBCBE1}">
+              <a14:hiddenEffects xmlns:a14="http://schemas.microsoft.com/office/drawing/2010/main">
+                <a:effectLst>
+                  <a:outerShdw dist="35921" dir="2700000" algn="ctr" rotWithShape="0">
+                    <a:schemeClr val="bg2"/>
+                  </a:outerShdw>
+                </a:effectLst>
+              </a14:hiddenEffects>
+            </a:ext>
+          </a:extLst>
+        </p:spPr>
+      </p:pic>
     </p:spTree>
     <p:extLst>
       <p:ext uri="{BB962C8B-B14F-4D97-AF65-F5344CB8AC3E}">
@@ -4301,8 +4559,8 @@
         </p:nvSpPr>
         <p:spPr>
           <a:xfrm>
-            <a:off x="549159" y="980753"/>
-            <a:ext cx="8411390" cy="1200329"/>
+            <a:off x="940278" y="980753"/>
+            <a:ext cx="10265435" cy="1323439"/>
           </a:xfrm>
           <a:prstGeom prst="rect">
             <a:avLst/>
@@ -4317,17 +4575,58 @@
           <a:p>
             <a:pPr algn="just"/>
             <a:r>
-              <a:rPr lang="ru-RU" dirty="0"/>
-              <a:t>	Начальный этап: Для дальнейшей работы с веб-приложением необходимо понимать о чем будет само приложение, чтобы приступить к выполнению контрольных точек, мы создали фундамент – небольшая база данных со связью </a:t>
-            </a:r>
-            <a:r>
-              <a:rPr lang="en-US" dirty="0"/>
+              <a:rPr lang="ru-RU" dirty="0">
+                <a:latin typeface="Times New Roman" pitchFamily="18" charset="0"/>
+                <a:cs typeface="Times New Roman" pitchFamily="18" charset="0"/>
+              </a:rPr>
+              <a:t>	</a:t>
+            </a:r>
+            <a:r>
+              <a:rPr lang="ru-RU" sz="2000" dirty="0">
+                <a:latin typeface="Times New Roman" pitchFamily="18" charset="0"/>
+                <a:cs typeface="Times New Roman" pitchFamily="18" charset="0"/>
+              </a:rPr>
+              <a:t>Начальный этап: Для дальнейшей работы с веб-приложением необходимо понимать о чем будет само приложение, чтобы приступить к выполнению контрольных точек, мы создали фундамент – небольшая база данных со связью </a:t>
+            </a:r>
+            <a:r>
+              <a:rPr lang="en-US" sz="2000" dirty="0">
+                <a:latin typeface="Times New Roman" pitchFamily="18" charset="0"/>
+                <a:cs typeface="Times New Roman" pitchFamily="18" charset="0"/>
+              </a:rPr>
               <a:t>many-to-many, ER-</a:t>
             </a:r>
             <a:r>
-              <a:rPr lang="ru-RU" dirty="0"/>
-              <a:t>Диаграмму которой представили в отчете</a:t>
-            </a:r>
+              <a:rPr lang="ru-RU" sz="2000" dirty="0">
+                <a:latin typeface="Times New Roman" pitchFamily="18" charset="0"/>
+                <a:cs typeface="Times New Roman" pitchFamily="18" charset="0"/>
+              </a:rPr>
+              <a:t>Диаграмму которой представили в </a:t>
+            </a:r>
+            <a:r>
+              <a:rPr lang="ru-RU" sz="2000" dirty="0" smtClean="0">
+                <a:latin typeface="Times New Roman" pitchFamily="18" charset="0"/>
+                <a:cs typeface="Times New Roman" pitchFamily="18" charset="0"/>
+              </a:rPr>
+              <a:t>отчете. (при помощи </a:t>
+            </a:r>
+            <a:r>
+              <a:rPr lang="en-US" sz="2000" dirty="0" err="1" smtClean="0">
+                <a:latin typeface="Times New Roman" pitchFamily="18" charset="0"/>
+                <a:cs typeface="Times New Roman" pitchFamily="18" charset="0"/>
+              </a:rPr>
+              <a:t>VisualParadigm</a:t>
+            </a:r>
+            <a:r>
+              <a:rPr lang="en-US" sz="2000" dirty="0" smtClean="0">
+                <a:latin typeface="Times New Roman" pitchFamily="18" charset="0"/>
+                <a:cs typeface="Times New Roman" pitchFamily="18" charset="0"/>
+              </a:rPr>
+              <a:t>)</a:t>
+            </a:r>
+            <a:endParaRPr lang="ru-RU" sz="2000" dirty="0">
+              <a:latin typeface="Times New Roman" pitchFamily="18" charset="0"/>
+              <a:cs typeface="Times New Roman" pitchFamily="18" charset="0"/>
+            </a:endParaRPr>
           </a:p>
         </p:txBody>
       </p:sp>
@@ -4336,7 +4635,7 @@
           <p:cNvPr id="8" name="Рисунок 7">
             <a:extLst>
               <a:ext uri="{FF2B5EF4-FFF2-40B4-BE49-F238E27FC236}">
-                <a16:creationId xmlns:a16="http://schemas.microsoft.com/office/drawing/2014/main" id="{E1EC5238-87DE-E10D-F645-3918C7D1D72B}"/>
+                <a16:creationId xmlns:a16="http://schemas.microsoft.com/office/drawing/2014/main" xmlns="" id="{E1EC5238-87DE-E10D-F645-3918C7D1D72B}"/>
               </a:ext>
             </a:extLst>
           </p:cNvPr>
@@ -4353,8 +4652,8 @@
         </p:blipFill>
         <p:spPr>
           <a:xfrm>
-            <a:off x="3508939" y="2181080"/>
-            <a:ext cx="4683236" cy="3571062"/>
+            <a:off x="3638336" y="2600809"/>
+            <a:ext cx="4617144" cy="3520666"/>
           </a:xfrm>
           <a:prstGeom prst="rect">
             <a:avLst/>
@@ -4366,7 +4665,7 @@
           <p:cNvPr id="9" name="TextBox 8">
             <a:extLst>
               <a:ext uri="{FF2B5EF4-FFF2-40B4-BE49-F238E27FC236}">
-                <a16:creationId xmlns:a16="http://schemas.microsoft.com/office/drawing/2014/main" id="{1F51A783-B51F-059E-C23C-6D6E03846F24}"/>
+                <a16:creationId xmlns:a16="http://schemas.microsoft.com/office/drawing/2014/main" xmlns="" id="{1F51A783-B51F-059E-C23C-6D6E03846F24}"/>
               </a:ext>
             </a:extLst>
           </p:cNvPr>
@@ -4396,6 +4695,70 @@
           </a:p>
         </p:txBody>
       </p:sp>
+      <p:pic>
+        <p:nvPicPr>
+          <p:cNvPr id="3074" name="Picture 2"/>
+          <p:cNvPicPr>
+            <a:picLocks noChangeAspect="1" noChangeArrowheads="1"/>
+          </p:cNvPicPr>
+          <p:nvPr/>
+        </p:nvPicPr>
+        <p:blipFill>
+          <a:blip r:embed="rId4" cstate="print">
+            <a:extLst>
+              <a:ext uri="{28A0092B-C50C-407E-A947-70E740481C1C}">
+                <a14:useLocalDpi xmlns:a14="http://schemas.microsoft.com/office/drawing/2010/main" val="0"/>
+              </a:ext>
+            </a:extLst>
+          </a:blip>
+          <a:srcRect/>
+          <a:stretch>
+            <a:fillRect/>
+          </a:stretch>
+        </p:blipFill>
+        <p:spPr bwMode="auto">
+          <a:xfrm>
+            <a:off x="894046" y="4775933"/>
+            <a:ext cx="1202173" cy="1202173"/>
+          </a:xfrm>
+          <a:prstGeom prst="rect">
+            <a:avLst/>
+          </a:prstGeom>
+          <a:noFill/>
+          <a:ln>
+            <a:noFill/>
+          </a:ln>
+          <a:effectLst/>
+          <a:extLst>
+            <a:ext uri="{909E8E84-426E-40DD-AFC4-6F175D3DCCD1}">
+              <a14:hiddenFill xmlns:a14="http://schemas.microsoft.com/office/drawing/2010/main">
+                <a:solidFill>
+                  <a:schemeClr val="accent1"/>
+                </a:solidFill>
+              </a14:hiddenFill>
+            </a:ext>
+            <a:ext uri="{91240B29-F687-4F45-9708-019B960494DF}">
+              <a14:hiddenLine xmlns:a14="http://schemas.microsoft.com/office/drawing/2010/main" w="9525">
+                <a:solidFill>
+                  <a:schemeClr val="tx1"/>
+                </a:solidFill>
+                <a:miter lim="800000"/>
+                <a:headEnd/>
+                <a:tailEnd/>
+              </a14:hiddenLine>
+            </a:ext>
+            <a:ext uri="{AF507438-7753-43E0-B8FC-AC1667EBCBE1}">
+              <a14:hiddenEffects xmlns:a14="http://schemas.microsoft.com/office/drawing/2010/main">
+                <a:effectLst>
+                  <a:outerShdw dist="35921" dir="2700000" algn="ctr" rotWithShape="0">
+                    <a:schemeClr val="bg2"/>
+                  </a:outerShdw>
+                </a:effectLst>
+              </a14:hiddenEffects>
+            </a:ext>
+          </a:extLst>
+        </p:spPr>
+      </p:pic>
     </p:spTree>
     <p:extLst>
       <p:ext uri="{BB962C8B-B14F-4D97-AF65-F5344CB8AC3E}">
@@ -4431,7 +4794,7 @@
         <p:cNvPr id="1" name="">
           <a:extLst>
             <a:ext uri="{FF2B5EF4-FFF2-40B4-BE49-F238E27FC236}">
-              <a16:creationId xmlns:a16="http://schemas.microsoft.com/office/drawing/2014/main" id="{D0F6D0F0-1378-644A-584A-B16D7D2649F1}"/>
+              <a16:creationId xmlns:a16="http://schemas.microsoft.com/office/drawing/2014/main" xmlns="" id="{D0F6D0F0-1378-644A-584A-B16D7D2649F1}"/>
             </a:ext>
           </a:extLst>
         </p:cNvPr>
@@ -4451,7 +4814,7 @@
           <p:cNvPr id="7" name="TextBox 6">
             <a:extLst>
               <a:ext uri="{FF2B5EF4-FFF2-40B4-BE49-F238E27FC236}">
-                <a16:creationId xmlns:a16="http://schemas.microsoft.com/office/drawing/2014/main" id="{DC5B5454-596A-8BF2-25AF-2443EEE83490}"/>
+                <a16:creationId xmlns:a16="http://schemas.microsoft.com/office/drawing/2014/main" xmlns="" id="{DC5B5454-596A-8BF2-25AF-2443EEE83490}"/>
               </a:ext>
             </a:extLst>
           </p:cNvPr>
@@ -4492,7 +4855,7 @@
           <p:cNvPr id="8" name="TextBox 7">
             <a:extLst>
               <a:ext uri="{FF2B5EF4-FFF2-40B4-BE49-F238E27FC236}">
-                <a16:creationId xmlns:a16="http://schemas.microsoft.com/office/drawing/2014/main" id="{82A6B17C-5BB7-55E2-84C8-ADA0EF63DADE}"/>
+                <a16:creationId xmlns:a16="http://schemas.microsoft.com/office/drawing/2014/main" xmlns="" id="{82A6B17C-5BB7-55E2-84C8-ADA0EF63DADE}"/>
               </a:ext>
             </a:extLst>
           </p:cNvPr>
@@ -4539,7 +4902,7 @@
           <p:cNvPr id="2" name="TextBox 1">
             <a:extLst>
               <a:ext uri="{FF2B5EF4-FFF2-40B4-BE49-F238E27FC236}">
-                <a16:creationId xmlns:a16="http://schemas.microsoft.com/office/drawing/2014/main" id="{C2A83AEE-149D-1AED-DB16-DE8F06CB258C}"/>
+                <a16:creationId xmlns:a16="http://schemas.microsoft.com/office/drawing/2014/main" xmlns="" id="{C2A83AEE-149D-1AED-DB16-DE8F06CB258C}"/>
               </a:ext>
             </a:extLst>
           </p:cNvPr>
@@ -4564,18 +4927,34 @@
           <a:p>
             <a:r>
               <a:rPr lang="ru-RU" dirty="0"/>
-              <a:t>	Нашей командой был создан совместный гит-репозиторий, в котором будет вся информация по проекту и сам проект. Внутрь репозитория добавлен </a:t>
-            </a:r>
-            <a:r>
-              <a:rPr lang="en-US" dirty="0"/>
+              <a:t>	</a:t>
+            </a:r>
+            <a:r>
+              <a:rPr lang="ru-RU" dirty="0">
+                <a:latin typeface="Times New Roman" pitchFamily="18" charset="0"/>
+                <a:cs typeface="Times New Roman" pitchFamily="18" charset="0"/>
+              </a:rPr>
+              <a:t>Нашей командой был создан совместный гит-репозиторий, в котором будет вся информация по проекту и сам проект. Внутрь репозитория добавлен </a:t>
+            </a:r>
+            <a:r>
+              <a:rPr lang="en-US" dirty="0">
+                <a:latin typeface="Times New Roman" pitchFamily="18" charset="0"/>
+                <a:cs typeface="Times New Roman" pitchFamily="18" charset="0"/>
+              </a:rPr>
               <a:t>.</a:t>
             </a:r>
             <a:r>
-              <a:rPr lang="en-US" dirty="0" err="1"/>
+              <a:rPr lang="en-US" dirty="0" err="1">
+                <a:latin typeface="Times New Roman" pitchFamily="18" charset="0"/>
+                <a:cs typeface="Times New Roman" pitchFamily="18" charset="0"/>
+              </a:rPr>
               <a:t>gitignore</a:t>
             </a:r>
             <a:r>
-              <a:rPr lang="ru-RU" dirty="0"/>
+              <a:rPr lang="ru-RU" dirty="0">
+                <a:latin typeface="Times New Roman" pitchFamily="18" charset="0"/>
+                <a:cs typeface="Times New Roman" pitchFamily="18" charset="0"/>
+              </a:rPr>
               <a:t>, исключающий ненужные файлы.</a:t>
             </a:r>
           </a:p>
@@ -4586,7 +4965,7 @@
           <p:cNvPr id="5" name="Рисунок 4">
             <a:extLst>
               <a:ext uri="{FF2B5EF4-FFF2-40B4-BE49-F238E27FC236}">
-                <a16:creationId xmlns:a16="http://schemas.microsoft.com/office/drawing/2014/main" id="{047881AF-86BE-822D-9F21-FEC8003B5C03}"/>
+                <a16:creationId xmlns:a16="http://schemas.microsoft.com/office/drawing/2014/main" xmlns="" id="{047881AF-86BE-822D-9F21-FEC8003B5C03}"/>
               </a:ext>
             </a:extLst>
           </p:cNvPr>
@@ -4609,6 +4988,70 @@
           <a:prstGeom prst="rect">
             <a:avLst/>
           </a:prstGeom>
+        </p:spPr>
+      </p:pic>
+      <p:pic>
+        <p:nvPicPr>
+          <p:cNvPr id="5122" name="Picture 2"/>
+          <p:cNvPicPr>
+            <a:picLocks noChangeAspect="1" noChangeArrowheads="1"/>
+          </p:cNvPicPr>
+          <p:nvPr/>
+        </p:nvPicPr>
+        <p:blipFill>
+          <a:blip r:embed="rId5" cstate="print">
+            <a:extLst>
+              <a:ext uri="{28A0092B-C50C-407E-A947-70E740481C1C}">
+                <a14:useLocalDpi xmlns:a14="http://schemas.microsoft.com/office/drawing/2010/main" val="0"/>
+              </a:ext>
+            </a:extLst>
+          </a:blip>
+          <a:srcRect/>
+          <a:stretch>
+            <a:fillRect/>
+          </a:stretch>
+        </p:blipFill>
+        <p:spPr bwMode="auto">
+          <a:xfrm>
+            <a:off x="5588599" y="4792692"/>
+            <a:ext cx="1200509" cy="1200509"/>
+          </a:xfrm>
+          <a:prstGeom prst="rect">
+            <a:avLst/>
+          </a:prstGeom>
+          <a:noFill/>
+          <a:ln>
+            <a:noFill/>
+          </a:ln>
+          <a:effectLst/>
+          <a:extLst>
+            <a:ext uri="{909E8E84-426E-40DD-AFC4-6F175D3DCCD1}">
+              <a14:hiddenFill xmlns:a14="http://schemas.microsoft.com/office/drawing/2010/main">
+                <a:solidFill>
+                  <a:schemeClr val="accent1"/>
+                </a:solidFill>
+              </a14:hiddenFill>
+            </a:ext>
+            <a:ext uri="{91240B29-F687-4F45-9708-019B960494DF}">
+              <a14:hiddenLine xmlns:a14="http://schemas.microsoft.com/office/drawing/2010/main" w="9525">
+                <a:solidFill>
+                  <a:schemeClr val="tx1"/>
+                </a:solidFill>
+                <a:miter lim="800000"/>
+                <a:headEnd/>
+                <a:tailEnd/>
+              </a14:hiddenLine>
+            </a:ext>
+            <a:ext uri="{AF507438-7753-43E0-B8FC-AC1667EBCBE1}">
+              <a14:hiddenEffects xmlns:a14="http://schemas.microsoft.com/office/drawing/2010/main">
+                <a:effectLst>
+                  <a:outerShdw dist="35921" dir="2700000" algn="ctr" rotWithShape="0">
+                    <a:schemeClr val="bg2"/>
+                  </a:outerShdw>
+                </a:effectLst>
+              </a14:hiddenEffects>
+            </a:ext>
+          </a:extLst>
         </p:spPr>
       </p:pic>
     </p:spTree>
@@ -4646,7 +5089,7 @@
         <p:cNvPr id="1" name="">
           <a:extLst>
             <a:ext uri="{FF2B5EF4-FFF2-40B4-BE49-F238E27FC236}">
-              <a16:creationId xmlns:a16="http://schemas.microsoft.com/office/drawing/2014/main" id="{0AB65F0C-4CD5-AC5E-BE07-DBA976198E99}"/>
+              <a16:creationId xmlns:a16="http://schemas.microsoft.com/office/drawing/2014/main" xmlns="" id="{0AB65F0C-4CD5-AC5E-BE07-DBA976198E99}"/>
             </a:ext>
           </a:extLst>
         </p:cNvPr>
@@ -4666,7 +5109,7 @@
           <p:cNvPr id="7" name="TextBox 6">
             <a:extLst>
               <a:ext uri="{FF2B5EF4-FFF2-40B4-BE49-F238E27FC236}">
-                <a16:creationId xmlns:a16="http://schemas.microsoft.com/office/drawing/2014/main" id="{028C0B31-0C41-2BE1-09C8-42E14392733D}"/>
+                <a16:creationId xmlns:a16="http://schemas.microsoft.com/office/drawing/2014/main" xmlns="" id="{028C0B31-0C41-2BE1-09C8-42E14392733D}"/>
               </a:ext>
             </a:extLst>
           </p:cNvPr>
@@ -4707,7 +5150,7 @@
           <p:cNvPr id="8" name="TextBox 7">
             <a:extLst>
               <a:ext uri="{FF2B5EF4-FFF2-40B4-BE49-F238E27FC236}">
-                <a16:creationId xmlns:a16="http://schemas.microsoft.com/office/drawing/2014/main" id="{8C72DCF7-9E64-5F95-02E3-B14BAF09419A}"/>
+                <a16:creationId xmlns:a16="http://schemas.microsoft.com/office/drawing/2014/main" xmlns="" id="{8C72DCF7-9E64-5F95-02E3-B14BAF09419A}"/>
               </a:ext>
             </a:extLst>
           </p:cNvPr>
@@ -4754,7 +5197,7 @@
           <p:cNvPr id="2" name="TextBox 1">
             <a:extLst>
               <a:ext uri="{FF2B5EF4-FFF2-40B4-BE49-F238E27FC236}">
-                <a16:creationId xmlns:a16="http://schemas.microsoft.com/office/drawing/2014/main" id="{F7828C90-F6F1-9FF7-26DD-4226762CD275}"/>
+                <a16:creationId xmlns:a16="http://schemas.microsoft.com/office/drawing/2014/main" xmlns="" id="{F7828C90-F6F1-9FF7-26DD-4226762CD275}"/>
               </a:ext>
             </a:extLst>
           </p:cNvPr>
@@ -4779,38 +5222,69 @@
           <a:p>
             <a:r>
               <a:rPr lang="ru-RU" dirty="0"/>
-              <a:t>	Мы планируем разрабатывать наш проект используя ЯП </a:t>
-            </a:r>
-            <a:r>
-              <a:rPr lang="en-US" dirty="0"/>
+              <a:t>	</a:t>
+            </a:r>
+            <a:r>
+              <a:rPr lang="ru-RU" dirty="0">
+                <a:latin typeface="Times New Roman" pitchFamily="18" charset="0"/>
+                <a:cs typeface="Times New Roman" pitchFamily="18" charset="0"/>
+              </a:rPr>
+              <a:t>Мы планируем разрабатывать наш проект используя ЯП </a:t>
+            </a:r>
+            <a:r>
+              <a:rPr lang="en-US" dirty="0">
+                <a:latin typeface="Times New Roman" pitchFamily="18" charset="0"/>
+                <a:cs typeface="Times New Roman" pitchFamily="18" charset="0"/>
+              </a:rPr>
               <a:t>Python</a:t>
             </a:r>
             <a:r>
-              <a:rPr lang="ru-RU" dirty="0"/>
+              <a:rPr lang="ru-RU" dirty="0">
+                <a:latin typeface="Times New Roman" pitchFamily="18" charset="0"/>
+                <a:cs typeface="Times New Roman" pitchFamily="18" charset="0"/>
+              </a:rPr>
               <a:t>, для программирования была выбрана среда </a:t>
             </a:r>
             <a:r>
-              <a:rPr lang="en-US" dirty="0"/>
+              <a:rPr lang="en-US" dirty="0">
+                <a:latin typeface="Times New Roman" pitchFamily="18" charset="0"/>
+                <a:cs typeface="Times New Roman" pitchFamily="18" charset="0"/>
+              </a:rPr>
               <a:t>VSC</a:t>
             </a:r>
             <a:r>
-              <a:rPr lang="ru-RU" dirty="0"/>
+              <a:rPr lang="ru-RU" dirty="0">
+                <a:latin typeface="Times New Roman" pitchFamily="18" charset="0"/>
+                <a:cs typeface="Times New Roman" pitchFamily="18" charset="0"/>
+              </a:rPr>
               <a:t>, в которую мы установили расширение </a:t>
             </a:r>
             <a:r>
-              <a:rPr lang="en-US" dirty="0"/>
+              <a:rPr lang="en-US" dirty="0">
+                <a:latin typeface="Times New Roman" pitchFamily="18" charset="0"/>
+                <a:cs typeface="Times New Roman" pitchFamily="18" charset="0"/>
+              </a:rPr>
               <a:t>Python</a:t>
             </a:r>
             <a:r>
-              <a:rPr lang="ru-RU" dirty="0"/>
+              <a:rPr lang="ru-RU" dirty="0">
+                <a:latin typeface="Times New Roman" pitchFamily="18" charset="0"/>
+                <a:cs typeface="Times New Roman" pitchFamily="18" charset="0"/>
+              </a:rPr>
               <a:t> и расширение </a:t>
             </a:r>
             <a:r>
-              <a:rPr lang="en-US" dirty="0"/>
+              <a:rPr lang="en-US" dirty="0">
+                <a:latin typeface="Times New Roman" pitchFamily="18" charset="0"/>
+                <a:cs typeface="Times New Roman" pitchFamily="18" charset="0"/>
+              </a:rPr>
               <a:t>Docker</a:t>
             </a:r>
             <a:r>
-              <a:rPr lang="ru-RU" dirty="0"/>
+              <a:rPr lang="ru-RU" dirty="0">
+                <a:latin typeface="Times New Roman" pitchFamily="18" charset="0"/>
+                <a:cs typeface="Times New Roman" pitchFamily="18" charset="0"/>
+              </a:rPr>
               <a:t>, для упрощения процесса разработки</a:t>
             </a:r>
           </a:p>
@@ -4821,7 +5295,7 @@
           <p:cNvPr id="4" name="Рисунок 3">
             <a:extLst>
               <a:ext uri="{FF2B5EF4-FFF2-40B4-BE49-F238E27FC236}">
-                <a16:creationId xmlns:a16="http://schemas.microsoft.com/office/drawing/2014/main" id="{ECA11410-67D6-2A55-2223-05F5B224FA97}"/>
+                <a16:creationId xmlns:a16="http://schemas.microsoft.com/office/drawing/2014/main" xmlns="" id="{ECA11410-67D6-2A55-2223-05F5B224FA97}"/>
               </a:ext>
             </a:extLst>
           </p:cNvPr>
@@ -4851,7 +5325,7 @@
           <p:cNvPr id="9" name="Рисунок 8">
             <a:extLst>
               <a:ext uri="{FF2B5EF4-FFF2-40B4-BE49-F238E27FC236}">
-                <a16:creationId xmlns:a16="http://schemas.microsoft.com/office/drawing/2014/main" id="{E1BD511D-7E3B-2501-AD1F-16AF42D88676}"/>
+                <a16:creationId xmlns:a16="http://schemas.microsoft.com/office/drawing/2014/main" xmlns="" id="{E1BD511D-7E3B-2501-AD1F-16AF42D88676}"/>
               </a:ext>
             </a:extLst>
           </p:cNvPr>
@@ -4874,6 +5348,70 @@
           <a:prstGeom prst="rect">
             <a:avLst/>
           </a:prstGeom>
+        </p:spPr>
+      </p:pic>
+      <p:pic>
+        <p:nvPicPr>
+          <p:cNvPr id="4098" name="Picture 2"/>
+          <p:cNvPicPr>
+            <a:picLocks noChangeAspect="1" noChangeArrowheads="1"/>
+          </p:cNvPicPr>
+          <p:nvPr/>
+        </p:nvPicPr>
+        <p:blipFill>
+          <a:blip r:embed="rId6" cstate="print">
+            <a:extLst>
+              <a:ext uri="{28A0092B-C50C-407E-A947-70E740481C1C}">
+                <a14:useLocalDpi xmlns:a14="http://schemas.microsoft.com/office/drawing/2010/main" val="0"/>
+              </a:ext>
+            </a:extLst>
+          </a:blip>
+          <a:srcRect/>
+          <a:stretch>
+            <a:fillRect/>
+          </a:stretch>
+        </p:blipFill>
+        <p:spPr bwMode="auto">
+          <a:xfrm>
+            <a:off x="9794597" y="2061563"/>
+            <a:ext cx="1545715" cy="1545715"/>
+          </a:xfrm>
+          <a:prstGeom prst="rect">
+            <a:avLst/>
+          </a:prstGeom>
+          <a:noFill/>
+          <a:ln>
+            <a:noFill/>
+          </a:ln>
+          <a:effectLst/>
+          <a:extLst>
+            <a:ext uri="{909E8E84-426E-40DD-AFC4-6F175D3DCCD1}">
+              <a14:hiddenFill xmlns:a14="http://schemas.microsoft.com/office/drawing/2010/main">
+                <a:solidFill>
+                  <a:schemeClr val="accent1"/>
+                </a:solidFill>
+              </a14:hiddenFill>
+            </a:ext>
+            <a:ext uri="{91240B29-F687-4F45-9708-019B960494DF}">
+              <a14:hiddenLine xmlns:a14="http://schemas.microsoft.com/office/drawing/2010/main" w="9525">
+                <a:solidFill>
+                  <a:schemeClr val="tx1"/>
+                </a:solidFill>
+                <a:miter lim="800000"/>
+                <a:headEnd/>
+                <a:tailEnd/>
+              </a14:hiddenLine>
+            </a:ext>
+            <a:ext uri="{AF507438-7753-43E0-B8FC-AC1667EBCBE1}">
+              <a14:hiddenEffects xmlns:a14="http://schemas.microsoft.com/office/drawing/2010/main">
+                <a:effectLst>
+                  <a:outerShdw dist="35921" dir="2700000" algn="ctr" rotWithShape="0">
+                    <a:schemeClr val="bg2"/>
+                  </a:outerShdw>
+                </a:effectLst>
+              </a14:hiddenEffects>
+            </a:ext>
+          </a:extLst>
         </p:spPr>
       </p:pic>
     </p:spTree>
@@ -4991,6 +5529,70 @@
           </a:p>
         </p:txBody>
       </p:sp>
+      <p:pic>
+        <p:nvPicPr>
+          <p:cNvPr id="2053" name="Picture 5"/>
+          <p:cNvPicPr>
+            <a:picLocks noChangeAspect="1" noChangeArrowheads="1"/>
+          </p:cNvPicPr>
+          <p:nvPr/>
+        </p:nvPicPr>
+        <p:blipFill>
+          <a:blip r:embed="rId3" cstate="print">
+            <a:extLst>
+              <a:ext uri="{28A0092B-C50C-407E-A947-70E740481C1C}">
+                <a14:useLocalDpi xmlns:a14="http://schemas.microsoft.com/office/drawing/2010/main" val="0"/>
+              </a:ext>
+            </a:extLst>
+          </a:blip>
+          <a:srcRect/>
+          <a:stretch>
+            <a:fillRect/>
+          </a:stretch>
+        </p:blipFill>
+        <p:spPr bwMode="auto">
+          <a:xfrm>
+            <a:off x="10120223" y="4786672"/>
+            <a:ext cx="1804358" cy="1804358"/>
+          </a:xfrm>
+          <a:prstGeom prst="rect">
+            <a:avLst/>
+          </a:prstGeom>
+          <a:noFill/>
+          <a:ln>
+            <a:noFill/>
+          </a:ln>
+          <a:effectLst/>
+          <a:extLst>
+            <a:ext uri="{909E8E84-426E-40DD-AFC4-6F175D3DCCD1}">
+              <a14:hiddenFill xmlns:a14="http://schemas.microsoft.com/office/drawing/2010/main">
+                <a:solidFill>
+                  <a:schemeClr val="accent1"/>
+                </a:solidFill>
+              </a14:hiddenFill>
+            </a:ext>
+            <a:ext uri="{91240B29-F687-4F45-9708-019B960494DF}">
+              <a14:hiddenLine xmlns:a14="http://schemas.microsoft.com/office/drawing/2010/main" w="9525">
+                <a:solidFill>
+                  <a:schemeClr val="tx1"/>
+                </a:solidFill>
+                <a:miter lim="800000"/>
+                <a:headEnd/>
+                <a:tailEnd/>
+              </a14:hiddenLine>
+            </a:ext>
+            <a:ext uri="{AF507438-7753-43E0-B8FC-AC1667EBCBE1}">
+              <a14:hiddenEffects xmlns:a14="http://schemas.microsoft.com/office/drawing/2010/main">
+                <a:effectLst>
+                  <a:outerShdw dist="35921" dir="2700000" algn="ctr" rotWithShape="0">
+                    <a:schemeClr val="bg2"/>
+                  </a:outerShdw>
+                </a:effectLst>
+              </a14:hiddenEffects>
+            </a:ext>
+          </a:extLst>
+        </p:spPr>
+      </p:pic>
     </p:spTree>
     <p:extLst>
       <p:ext uri="{BB962C8B-B14F-4D97-AF65-F5344CB8AC3E}">
@@ -5047,7 +5649,7 @@
     </a:clrScheme>
     <a:fontScheme name="Тема Office">
       <a:majorFont>
-        <a:latin typeface="Calibri Light" panose="020F0302020204030204"/>
+        <a:latin typeface="Calibri Light"/>
         <a:ea typeface=""/>
         <a:cs typeface=""/>
         <a:font script="Jpan" typeface="ＭＳ Ｐゴシック"/>
@@ -5082,7 +5684,7 @@
         <a:font script="Geor" typeface="Sylfaen"/>
       </a:majorFont>
       <a:minorFont>
-        <a:latin typeface="Calibri" panose="020F0502020204030204"/>
+        <a:latin typeface="Calibri"/>
         <a:ea typeface=""/>
         <a:cs typeface=""/>
         <a:font script="Jpan" typeface="ＭＳ Ｐゴシック"/>
@@ -5259,7 +5861,7 @@
   <a:extraClrSchemeLst/>
   <a:extLst>
     <a:ext uri="{05A4C25C-085E-4340-85A3-A5531E510DB2}">
-      <thm15:themeFamily xmlns:thm15="http://schemas.microsoft.com/office/thememl/2012/main" name="Office Theme" id="{62F939B6-93AF-4DB8-9C6B-D6C7DFDC589F}" vid="{4A3C46E8-61CC-4603-A589-7422A47A8E4A}"/>
+      <thm15:themeFamily xmlns:thm15="http://schemas.microsoft.com/office/thememl/2012/main" xmlns="" name="Office Theme" id="{62F939B6-93AF-4DB8-9C6B-D6C7DFDC589F}" vid="{4A3C46E8-61CC-4603-A589-7422A47A8E4A}"/>
     </a:ext>
   </a:extLst>
 </a:theme>

--- a/6304_ВоронинФомин_ТСР_ЛР_0_през.pptx
+++ b/6304_ВоронинФомин_ТСР_ЛР_0_през.pptx
@@ -114,7 +114,7 @@
   </p:defaultTextStyle>
   <p:extLst>
     <p:ext uri="{EFAFB233-063F-42B5-8137-9DF3F51BA10A}">
-      <p15:sldGuideLst xmlns:p15="http://schemas.microsoft.com/office/powerpoint/2012/main" xmlns="">
+      <p15:sldGuideLst xmlns="" xmlns:p15="http://schemas.microsoft.com/office/powerpoint/2012/main">
         <p15:guide id="1" orient="horz" pos="2160" userDrawn="1">
           <p15:clr>
             <a:srgbClr val="A4A3A4"/>
@@ -577,7 +577,7 @@
         <p:cNvPr id="1" name="">
           <a:extLst>
             <a:ext uri="{FF2B5EF4-FFF2-40B4-BE49-F238E27FC236}">
-              <a16:creationId xmlns:a16="http://schemas.microsoft.com/office/drawing/2014/main" xmlns="" id="{B334DE7C-1FE1-0674-0E85-B13B72EF9A1D}"/>
+              <a16:creationId xmlns="" xmlns:a16="http://schemas.microsoft.com/office/drawing/2014/main" id="{B334DE7C-1FE1-0674-0E85-B13B72EF9A1D}"/>
             </a:ext>
           </a:extLst>
         </p:cNvPr>
@@ -597,7 +597,7 @@
           <p:cNvPr id="2" name="Образ слайда 1">
             <a:extLst>
               <a:ext uri="{FF2B5EF4-FFF2-40B4-BE49-F238E27FC236}">
-                <a16:creationId xmlns:a16="http://schemas.microsoft.com/office/drawing/2014/main" xmlns="" id="{0BBCCA82-D790-E2C5-1B50-C378E342A043}"/>
+                <a16:creationId xmlns="" xmlns:a16="http://schemas.microsoft.com/office/drawing/2014/main" id="{0BBCCA82-D790-E2C5-1B50-C378E342A043}"/>
               </a:ext>
             </a:extLst>
           </p:cNvPr>
@@ -620,7 +620,7 @@
           <p:cNvPr id="3" name="Заметки 2">
             <a:extLst>
               <a:ext uri="{FF2B5EF4-FFF2-40B4-BE49-F238E27FC236}">
-                <a16:creationId xmlns:a16="http://schemas.microsoft.com/office/drawing/2014/main" xmlns="" id="{3C185B08-198B-BEB6-F2E2-684C640D1E57}"/>
+                <a16:creationId xmlns="" xmlns:a16="http://schemas.microsoft.com/office/drawing/2014/main" id="{3C185B08-198B-BEB6-F2E2-684C640D1E57}"/>
               </a:ext>
             </a:extLst>
           </p:cNvPr>
@@ -645,7 +645,7 @@
           <p:cNvPr id="4" name="Номер слайда 3">
             <a:extLst>
               <a:ext uri="{FF2B5EF4-FFF2-40B4-BE49-F238E27FC236}">
-                <a16:creationId xmlns:a16="http://schemas.microsoft.com/office/drawing/2014/main" xmlns="" id="{044B2FAD-F67E-97E8-C093-DC666ED81997}"/>
+                <a16:creationId xmlns="" xmlns:a16="http://schemas.microsoft.com/office/drawing/2014/main" id="{044B2FAD-F67E-97E8-C093-DC666ED81997}"/>
               </a:ext>
             </a:extLst>
           </p:cNvPr>
@@ -690,7 +690,7 @@
         <p:cNvPr id="1" name="">
           <a:extLst>
             <a:ext uri="{FF2B5EF4-FFF2-40B4-BE49-F238E27FC236}">
-              <a16:creationId xmlns:a16="http://schemas.microsoft.com/office/drawing/2014/main" xmlns="" id="{BAADF6CC-1669-3E40-6335-903CCCAB00C0}"/>
+              <a16:creationId xmlns="" xmlns:a16="http://schemas.microsoft.com/office/drawing/2014/main" id="{BAADF6CC-1669-3E40-6335-903CCCAB00C0}"/>
             </a:ext>
           </a:extLst>
         </p:cNvPr>
@@ -710,7 +710,7 @@
           <p:cNvPr id="2" name="Образ слайда 1">
             <a:extLst>
               <a:ext uri="{FF2B5EF4-FFF2-40B4-BE49-F238E27FC236}">
-                <a16:creationId xmlns:a16="http://schemas.microsoft.com/office/drawing/2014/main" xmlns="" id="{250A1958-DF08-FDE6-7F55-547E33CDF289}"/>
+                <a16:creationId xmlns="" xmlns:a16="http://schemas.microsoft.com/office/drawing/2014/main" id="{250A1958-DF08-FDE6-7F55-547E33CDF289}"/>
               </a:ext>
             </a:extLst>
           </p:cNvPr>
@@ -733,7 +733,7 @@
           <p:cNvPr id="3" name="Заметки 2">
             <a:extLst>
               <a:ext uri="{FF2B5EF4-FFF2-40B4-BE49-F238E27FC236}">
-                <a16:creationId xmlns:a16="http://schemas.microsoft.com/office/drawing/2014/main" xmlns="" id="{81433F84-7D75-30BF-B493-2936521DC0B3}"/>
+                <a16:creationId xmlns="" xmlns:a16="http://schemas.microsoft.com/office/drawing/2014/main" id="{81433F84-7D75-30BF-B493-2936521DC0B3}"/>
               </a:ext>
             </a:extLst>
           </p:cNvPr>
@@ -758,7 +758,7 @@
           <p:cNvPr id="4" name="Номер слайда 3">
             <a:extLst>
               <a:ext uri="{FF2B5EF4-FFF2-40B4-BE49-F238E27FC236}">
-                <a16:creationId xmlns:a16="http://schemas.microsoft.com/office/drawing/2014/main" xmlns="" id="{190B122A-2EDE-2D15-8239-17CEEA3AC7EC}"/>
+                <a16:creationId xmlns="" xmlns:a16="http://schemas.microsoft.com/office/drawing/2014/main" id="{190B122A-2EDE-2D15-8239-17CEEA3AC7EC}"/>
               </a:ext>
             </a:extLst>
           </p:cNvPr>
@@ -4074,8 +4074,23 @@
                 <a:ea typeface="Times New Roman" panose="02020603050405020304" pitchFamily="18" charset="0"/>
                 <a:cs typeface="Times New Roman" pitchFamily="18" charset="0"/>
               </a:rPr>
-              <a:t>и картин”.</a:t>
-            </a:r>
+              <a:t>и </a:t>
+            </a:r>
+            <a:r>
+              <a:rPr lang="ru-RU" sz="2400" kern="1400" spc="25" dirty="0" smtClean="0">
+                <a:effectLst/>
+                <a:latin typeface="Times New Roman" pitchFamily="18" charset="0"/>
+                <a:ea typeface="Times New Roman" panose="02020603050405020304" pitchFamily="18" charset="0"/>
+                <a:cs typeface="Times New Roman" pitchFamily="18" charset="0"/>
+              </a:rPr>
+              <a:t>картин.</a:t>
+            </a:r>
+            <a:endParaRPr lang="ru-RU" sz="2400" kern="1400" spc="25" dirty="0">
+              <a:effectLst/>
+              <a:latin typeface="Times New Roman" pitchFamily="18" charset="0"/>
+              <a:ea typeface="Times New Roman" panose="02020603050405020304" pitchFamily="18" charset="0"/>
+              <a:cs typeface="Times New Roman" pitchFamily="18" charset="0"/>
+            </a:endParaRPr>
           </a:p>
           <a:p>
             <a:pPr indent="449580">
@@ -4635,7 +4650,7 @@
           <p:cNvPr id="8" name="Рисунок 7">
             <a:extLst>
               <a:ext uri="{FF2B5EF4-FFF2-40B4-BE49-F238E27FC236}">
-                <a16:creationId xmlns:a16="http://schemas.microsoft.com/office/drawing/2014/main" xmlns="" id="{E1EC5238-87DE-E10D-F645-3918C7D1D72B}"/>
+                <a16:creationId xmlns="" xmlns:a16="http://schemas.microsoft.com/office/drawing/2014/main" id="{E1EC5238-87DE-E10D-F645-3918C7D1D72B}"/>
               </a:ext>
             </a:extLst>
           </p:cNvPr>
@@ -4665,7 +4680,7 @@
           <p:cNvPr id="9" name="TextBox 8">
             <a:extLst>
               <a:ext uri="{FF2B5EF4-FFF2-40B4-BE49-F238E27FC236}">
-                <a16:creationId xmlns:a16="http://schemas.microsoft.com/office/drawing/2014/main" xmlns="" id="{1F51A783-B51F-059E-C23C-6D6E03846F24}"/>
+                <a16:creationId xmlns="" xmlns:a16="http://schemas.microsoft.com/office/drawing/2014/main" id="{1F51A783-B51F-059E-C23C-6D6E03846F24}"/>
               </a:ext>
             </a:extLst>
           </p:cNvPr>
@@ -4794,7 +4809,7 @@
         <p:cNvPr id="1" name="">
           <a:extLst>
             <a:ext uri="{FF2B5EF4-FFF2-40B4-BE49-F238E27FC236}">
-              <a16:creationId xmlns:a16="http://schemas.microsoft.com/office/drawing/2014/main" xmlns="" id="{D0F6D0F0-1378-644A-584A-B16D7D2649F1}"/>
+              <a16:creationId xmlns="" xmlns:a16="http://schemas.microsoft.com/office/drawing/2014/main" id="{D0F6D0F0-1378-644A-584A-B16D7D2649F1}"/>
             </a:ext>
           </a:extLst>
         </p:cNvPr>
@@ -4814,7 +4829,7 @@
           <p:cNvPr id="7" name="TextBox 6">
             <a:extLst>
               <a:ext uri="{FF2B5EF4-FFF2-40B4-BE49-F238E27FC236}">
-                <a16:creationId xmlns:a16="http://schemas.microsoft.com/office/drawing/2014/main" xmlns="" id="{DC5B5454-596A-8BF2-25AF-2443EEE83490}"/>
+                <a16:creationId xmlns="" xmlns:a16="http://schemas.microsoft.com/office/drawing/2014/main" id="{DC5B5454-596A-8BF2-25AF-2443EEE83490}"/>
               </a:ext>
             </a:extLst>
           </p:cNvPr>
@@ -4855,7 +4870,7 @@
           <p:cNvPr id="8" name="TextBox 7">
             <a:extLst>
               <a:ext uri="{FF2B5EF4-FFF2-40B4-BE49-F238E27FC236}">
-                <a16:creationId xmlns:a16="http://schemas.microsoft.com/office/drawing/2014/main" xmlns="" id="{82A6B17C-5BB7-55E2-84C8-ADA0EF63DADE}"/>
+                <a16:creationId xmlns="" xmlns:a16="http://schemas.microsoft.com/office/drawing/2014/main" id="{82A6B17C-5BB7-55E2-84C8-ADA0EF63DADE}"/>
               </a:ext>
             </a:extLst>
           </p:cNvPr>
@@ -4902,7 +4917,7 @@
           <p:cNvPr id="2" name="TextBox 1">
             <a:extLst>
               <a:ext uri="{FF2B5EF4-FFF2-40B4-BE49-F238E27FC236}">
-                <a16:creationId xmlns:a16="http://schemas.microsoft.com/office/drawing/2014/main" xmlns="" id="{C2A83AEE-149D-1AED-DB16-DE8F06CB258C}"/>
+                <a16:creationId xmlns="" xmlns:a16="http://schemas.microsoft.com/office/drawing/2014/main" id="{C2A83AEE-149D-1AED-DB16-DE8F06CB258C}"/>
               </a:ext>
             </a:extLst>
           </p:cNvPr>
@@ -4965,7 +4980,7 @@
           <p:cNvPr id="5" name="Рисунок 4">
             <a:extLst>
               <a:ext uri="{FF2B5EF4-FFF2-40B4-BE49-F238E27FC236}">
-                <a16:creationId xmlns:a16="http://schemas.microsoft.com/office/drawing/2014/main" xmlns="" id="{047881AF-86BE-822D-9F21-FEC8003B5C03}"/>
+                <a16:creationId xmlns="" xmlns:a16="http://schemas.microsoft.com/office/drawing/2014/main" id="{047881AF-86BE-822D-9F21-FEC8003B5C03}"/>
               </a:ext>
             </a:extLst>
           </p:cNvPr>
@@ -5089,7 +5104,7 @@
         <p:cNvPr id="1" name="">
           <a:extLst>
             <a:ext uri="{FF2B5EF4-FFF2-40B4-BE49-F238E27FC236}">
-              <a16:creationId xmlns:a16="http://schemas.microsoft.com/office/drawing/2014/main" xmlns="" id="{0AB65F0C-4CD5-AC5E-BE07-DBA976198E99}"/>
+              <a16:creationId xmlns="" xmlns:a16="http://schemas.microsoft.com/office/drawing/2014/main" id="{0AB65F0C-4CD5-AC5E-BE07-DBA976198E99}"/>
             </a:ext>
           </a:extLst>
         </p:cNvPr>
@@ -5109,7 +5124,7 @@
           <p:cNvPr id="7" name="TextBox 6">
             <a:extLst>
               <a:ext uri="{FF2B5EF4-FFF2-40B4-BE49-F238E27FC236}">
-                <a16:creationId xmlns:a16="http://schemas.microsoft.com/office/drawing/2014/main" xmlns="" id="{028C0B31-0C41-2BE1-09C8-42E14392733D}"/>
+                <a16:creationId xmlns="" xmlns:a16="http://schemas.microsoft.com/office/drawing/2014/main" id="{028C0B31-0C41-2BE1-09C8-42E14392733D}"/>
               </a:ext>
             </a:extLst>
           </p:cNvPr>
@@ -5150,7 +5165,7 @@
           <p:cNvPr id="8" name="TextBox 7">
             <a:extLst>
               <a:ext uri="{FF2B5EF4-FFF2-40B4-BE49-F238E27FC236}">
-                <a16:creationId xmlns:a16="http://schemas.microsoft.com/office/drawing/2014/main" xmlns="" id="{8C72DCF7-9E64-5F95-02E3-B14BAF09419A}"/>
+                <a16:creationId xmlns="" xmlns:a16="http://schemas.microsoft.com/office/drawing/2014/main" id="{8C72DCF7-9E64-5F95-02E3-B14BAF09419A}"/>
               </a:ext>
             </a:extLst>
           </p:cNvPr>
@@ -5197,7 +5212,7 @@
           <p:cNvPr id="2" name="TextBox 1">
             <a:extLst>
               <a:ext uri="{FF2B5EF4-FFF2-40B4-BE49-F238E27FC236}">
-                <a16:creationId xmlns:a16="http://schemas.microsoft.com/office/drawing/2014/main" xmlns="" id="{F7828C90-F6F1-9FF7-26DD-4226762CD275}"/>
+                <a16:creationId xmlns="" xmlns:a16="http://schemas.microsoft.com/office/drawing/2014/main" id="{F7828C90-F6F1-9FF7-26DD-4226762CD275}"/>
               </a:ext>
             </a:extLst>
           </p:cNvPr>
@@ -5295,7 +5310,7 @@
           <p:cNvPr id="4" name="Рисунок 3">
             <a:extLst>
               <a:ext uri="{FF2B5EF4-FFF2-40B4-BE49-F238E27FC236}">
-                <a16:creationId xmlns:a16="http://schemas.microsoft.com/office/drawing/2014/main" xmlns="" id="{ECA11410-67D6-2A55-2223-05F5B224FA97}"/>
+                <a16:creationId xmlns="" xmlns:a16="http://schemas.microsoft.com/office/drawing/2014/main" id="{ECA11410-67D6-2A55-2223-05F5B224FA97}"/>
               </a:ext>
             </a:extLst>
           </p:cNvPr>
@@ -5325,7 +5340,7 @@
           <p:cNvPr id="9" name="Рисунок 8">
             <a:extLst>
               <a:ext uri="{FF2B5EF4-FFF2-40B4-BE49-F238E27FC236}">
-                <a16:creationId xmlns:a16="http://schemas.microsoft.com/office/drawing/2014/main" xmlns="" id="{E1BD511D-7E3B-2501-AD1F-16AF42D88676}"/>
+                <a16:creationId xmlns="" xmlns:a16="http://schemas.microsoft.com/office/drawing/2014/main" id="{E1BD511D-7E3B-2501-AD1F-16AF42D88676}"/>
               </a:ext>
             </a:extLst>
           </p:cNvPr>
@@ -5861,7 +5876,7 @@
   <a:extraClrSchemeLst/>
   <a:extLst>
     <a:ext uri="{05A4C25C-085E-4340-85A3-A5531E510DB2}">
-      <thm15:themeFamily xmlns:thm15="http://schemas.microsoft.com/office/thememl/2012/main" xmlns="" name="Office Theme" id="{62F939B6-93AF-4DB8-9C6B-D6C7DFDC589F}" vid="{4A3C46E8-61CC-4603-A589-7422A47A8E4A}"/>
+      <thm15:themeFamily xmlns="" xmlns:thm15="http://schemas.microsoft.com/office/thememl/2012/main" name="Office Theme" id="{62F939B6-93AF-4DB8-9C6B-D6C7DFDC589F}" vid="{4A3C46E8-61CC-4603-A589-7422A47A8E4A}"/>
     </a:ext>
   </a:extLst>
 </a:theme>

--- a/6304_ВоронинФомин_ТСР_ЛР_0_през.pptx
+++ b/6304_ВоронинФомин_ТСР_ЛР_0_през.pptx
@@ -114,7 +114,7 @@
   </p:defaultTextStyle>
   <p:extLst>
     <p:ext uri="{EFAFB233-063F-42B5-8137-9DF3F51BA10A}">
-      <p15:sldGuideLst xmlns="" xmlns:p15="http://schemas.microsoft.com/office/powerpoint/2012/main">
+      <p15:sldGuideLst xmlns:p15="http://schemas.microsoft.com/office/powerpoint/2012/main">
         <p15:guide id="1" orient="horz" pos="2160" userDrawn="1">
           <p15:clr>
             <a:srgbClr val="A4A3A4"/>
@@ -213,7 +213,7 @@
           <a:p>
             <a:fld id="{77D36C68-DDAB-4D09-8E72-8E937BD7768C}" type="datetimeFigureOut">
               <a:rPr lang="ru-RU" smtClean="0"/>
-              <a:t>14.02.2025</a:t>
+              <a:t>15.02.2025</a:t>
             </a:fld>
             <a:endParaRPr lang="ru-RU"/>
           </a:p>
@@ -577,7 +577,7 @@
         <p:cNvPr id="1" name="">
           <a:extLst>
             <a:ext uri="{FF2B5EF4-FFF2-40B4-BE49-F238E27FC236}">
-              <a16:creationId xmlns="" xmlns:a16="http://schemas.microsoft.com/office/drawing/2014/main" id="{B334DE7C-1FE1-0674-0E85-B13B72EF9A1D}"/>
+              <a16:creationId xmlns:a16="http://schemas.microsoft.com/office/drawing/2014/main" id="{B334DE7C-1FE1-0674-0E85-B13B72EF9A1D}"/>
             </a:ext>
           </a:extLst>
         </p:cNvPr>
@@ -597,7 +597,7 @@
           <p:cNvPr id="2" name="Образ слайда 1">
             <a:extLst>
               <a:ext uri="{FF2B5EF4-FFF2-40B4-BE49-F238E27FC236}">
-                <a16:creationId xmlns="" xmlns:a16="http://schemas.microsoft.com/office/drawing/2014/main" id="{0BBCCA82-D790-E2C5-1B50-C378E342A043}"/>
+                <a16:creationId xmlns:a16="http://schemas.microsoft.com/office/drawing/2014/main" id="{0BBCCA82-D790-E2C5-1B50-C378E342A043}"/>
               </a:ext>
             </a:extLst>
           </p:cNvPr>
@@ -620,7 +620,7 @@
           <p:cNvPr id="3" name="Заметки 2">
             <a:extLst>
               <a:ext uri="{FF2B5EF4-FFF2-40B4-BE49-F238E27FC236}">
-                <a16:creationId xmlns="" xmlns:a16="http://schemas.microsoft.com/office/drawing/2014/main" id="{3C185B08-198B-BEB6-F2E2-684C640D1E57}"/>
+                <a16:creationId xmlns:a16="http://schemas.microsoft.com/office/drawing/2014/main" id="{3C185B08-198B-BEB6-F2E2-684C640D1E57}"/>
               </a:ext>
             </a:extLst>
           </p:cNvPr>
@@ -645,7 +645,7 @@
           <p:cNvPr id="4" name="Номер слайда 3">
             <a:extLst>
               <a:ext uri="{FF2B5EF4-FFF2-40B4-BE49-F238E27FC236}">
-                <a16:creationId xmlns="" xmlns:a16="http://schemas.microsoft.com/office/drawing/2014/main" id="{044B2FAD-F67E-97E8-C093-DC666ED81997}"/>
+                <a16:creationId xmlns:a16="http://schemas.microsoft.com/office/drawing/2014/main" id="{044B2FAD-F67E-97E8-C093-DC666ED81997}"/>
               </a:ext>
             </a:extLst>
           </p:cNvPr>
@@ -690,7 +690,7 @@
         <p:cNvPr id="1" name="">
           <a:extLst>
             <a:ext uri="{FF2B5EF4-FFF2-40B4-BE49-F238E27FC236}">
-              <a16:creationId xmlns="" xmlns:a16="http://schemas.microsoft.com/office/drawing/2014/main" id="{BAADF6CC-1669-3E40-6335-903CCCAB00C0}"/>
+              <a16:creationId xmlns:a16="http://schemas.microsoft.com/office/drawing/2014/main" id="{BAADF6CC-1669-3E40-6335-903CCCAB00C0}"/>
             </a:ext>
           </a:extLst>
         </p:cNvPr>
@@ -710,7 +710,7 @@
           <p:cNvPr id="2" name="Образ слайда 1">
             <a:extLst>
               <a:ext uri="{FF2B5EF4-FFF2-40B4-BE49-F238E27FC236}">
-                <a16:creationId xmlns="" xmlns:a16="http://schemas.microsoft.com/office/drawing/2014/main" id="{250A1958-DF08-FDE6-7F55-547E33CDF289}"/>
+                <a16:creationId xmlns:a16="http://schemas.microsoft.com/office/drawing/2014/main" id="{250A1958-DF08-FDE6-7F55-547E33CDF289}"/>
               </a:ext>
             </a:extLst>
           </p:cNvPr>
@@ -733,7 +733,7 @@
           <p:cNvPr id="3" name="Заметки 2">
             <a:extLst>
               <a:ext uri="{FF2B5EF4-FFF2-40B4-BE49-F238E27FC236}">
-                <a16:creationId xmlns="" xmlns:a16="http://schemas.microsoft.com/office/drawing/2014/main" id="{81433F84-7D75-30BF-B493-2936521DC0B3}"/>
+                <a16:creationId xmlns:a16="http://schemas.microsoft.com/office/drawing/2014/main" id="{81433F84-7D75-30BF-B493-2936521DC0B3}"/>
               </a:ext>
             </a:extLst>
           </p:cNvPr>
@@ -758,7 +758,7 @@
           <p:cNvPr id="4" name="Номер слайда 3">
             <a:extLst>
               <a:ext uri="{FF2B5EF4-FFF2-40B4-BE49-F238E27FC236}">
-                <a16:creationId xmlns="" xmlns:a16="http://schemas.microsoft.com/office/drawing/2014/main" id="{190B122A-2EDE-2D15-8239-17CEEA3AC7EC}"/>
+                <a16:creationId xmlns:a16="http://schemas.microsoft.com/office/drawing/2014/main" id="{190B122A-2EDE-2D15-8239-17CEEA3AC7EC}"/>
               </a:ext>
             </a:extLst>
           </p:cNvPr>
@@ -926,7 +926,7 @@
           <a:p>
             <a:fld id="{0CD2006A-6BE7-43E8-8AD6-C09FC266B36F}" type="datetime1">
               <a:rPr lang="ru-RU" smtClean="0"/>
-              <a:t>14.02.2025</a:t>
+              <a:t>15.02.2025</a:t>
             </a:fld>
             <a:endParaRPr lang="ru-RU"/>
           </a:p>
@@ -1096,7 +1096,7 @@
           <a:p>
             <a:fld id="{DCFD85EE-4AB9-42CD-8126-E74FE77A9ED8}" type="datetime1">
               <a:rPr lang="ru-RU" smtClean="0"/>
-              <a:t>14.02.2025</a:t>
+              <a:t>15.02.2025</a:t>
             </a:fld>
             <a:endParaRPr lang="ru-RU"/>
           </a:p>
@@ -1276,7 +1276,7 @@
           <a:p>
             <a:fld id="{560B916C-83BE-4CC1-8A21-D05CD30C43DB}" type="datetime1">
               <a:rPr lang="ru-RU" smtClean="0"/>
-              <a:t>14.02.2025</a:t>
+              <a:t>15.02.2025</a:t>
             </a:fld>
             <a:endParaRPr lang="ru-RU"/>
           </a:p>
@@ -1446,7 +1446,7 @@
           <a:p>
             <a:fld id="{D2E13183-B2A1-4784-80CE-65A33D52CB0B}" type="datetime1">
               <a:rPr lang="ru-RU" smtClean="0"/>
-              <a:t>14.02.2025</a:t>
+              <a:t>15.02.2025</a:t>
             </a:fld>
             <a:endParaRPr lang="ru-RU"/>
           </a:p>
@@ -1692,7 +1692,7 @@
           <a:p>
             <a:fld id="{DEA388E9-D2C3-4436-BFEE-5F0C2E0896FE}" type="datetime1">
               <a:rPr lang="ru-RU" smtClean="0"/>
-              <a:t>14.02.2025</a:t>
+              <a:t>15.02.2025</a:t>
             </a:fld>
             <a:endParaRPr lang="ru-RU"/>
           </a:p>
@@ -1924,7 +1924,7 @@
           <a:p>
             <a:fld id="{13A15BC7-66CE-44BA-84C4-ADF5D358A8E5}" type="datetime1">
               <a:rPr lang="ru-RU" smtClean="0"/>
-              <a:t>14.02.2025</a:t>
+              <a:t>15.02.2025</a:t>
             </a:fld>
             <a:endParaRPr lang="ru-RU"/>
           </a:p>
@@ -2291,7 +2291,7 @@
           <a:p>
             <a:fld id="{8C55F641-8A7B-48BB-9924-29525D09D843}" type="datetime1">
               <a:rPr lang="ru-RU" smtClean="0"/>
-              <a:t>14.02.2025</a:t>
+              <a:t>15.02.2025</a:t>
             </a:fld>
             <a:endParaRPr lang="ru-RU"/>
           </a:p>
@@ -2409,7 +2409,7 @@
           <a:p>
             <a:fld id="{28C4CC1A-CDB1-4CBC-83A8-3EB958439194}" type="datetime1">
               <a:rPr lang="ru-RU" smtClean="0"/>
-              <a:t>14.02.2025</a:t>
+              <a:t>15.02.2025</a:t>
             </a:fld>
             <a:endParaRPr lang="ru-RU"/>
           </a:p>
@@ -2504,7 +2504,7 @@
           <a:p>
             <a:fld id="{DCA5C5F1-78C0-4305-B0EC-8CEF047F6C93}" type="datetime1">
               <a:rPr lang="ru-RU" smtClean="0"/>
-              <a:t>14.02.2025</a:t>
+              <a:t>15.02.2025</a:t>
             </a:fld>
             <a:endParaRPr lang="ru-RU"/>
           </a:p>
@@ -2781,7 +2781,7 @@
           <a:p>
             <a:fld id="{8FF670FB-17C0-4434-90C8-A4668EF13565}" type="datetime1">
               <a:rPr lang="ru-RU" smtClean="0"/>
-              <a:t>14.02.2025</a:t>
+              <a:t>15.02.2025</a:t>
             </a:fld>
             <a:endParaRPr lang="ru-RU"/>
           </a:p>
@@ -3038,7 +3038,7 @@
           <a:p>
             <a:fld id="{5FA5D1FD-3FC4-47EA-B2EB-FF46800F6009}" type="datetime1">
               <a:rPr lang="ru-RU" smtClean="0"/>
-              <a:t>14.02.2025</a:t>
+              <a:t>15.02.2025</a:t>
             </a:fld>
             <a:endParaRPr lang="ru-RU"/>
           </a:p>
@@ -3251,7 +3251,7 @@
           <a:p>
             <a:fld id="{6C109404-ED28-47FE-9DC5-C6BCEA110D1D}" type="datetime1">
               <a:rPr lang="ru-RU" smtClean="0"/>
-              <a:t>14.02.2025</a:t>
+              <a:t>15.02.2025</a:t>
             </a:fld>
             <a:endParaRPr lang="ru-RU"/>
           </a:p>
@@ -4048,24 +4048,7 @@
                 <a:latin typeface="Times New Roman" pitchFamily="18" charset="0"/>
                 <a:cs typeface="Times New Roman" pitchFamily="18" charset="0"/>
               </a:rPr>
-              <a:t>“Art Gallery” стремится сделать мир искусства более открытым и доступным, соединяя талантливых художников с их потенциальными покупателями и </a:t>
-            </a:r>
-            <a:r>
-              <a:rPr lang="ru-RU" sz="2400" b="0" i="0" dirty="0" smtClean="0">
-                <a:effectLst/>
-                <a:latin typeface="Times New Roman" pitchFamily="18" charset="0"/>
-                <a:cs typeface="Times New Roman" pitchFamily="18" charset="0"/>
-              </a:rPr>
-              <a:t>ценителями </a:t>
-            </a:r>
-            <a:r>
-              <a:rPr lang="ru-RU" sz="2400" kern="1400" spc="25" dirty="0" smtClean="0">
-                <a:effectLst/>
-                <a:latin typeface="Times New Roman" pitchFamily="18" charset="0"/>
-                <a:ea typeface="Times New Roman" panose="02020603050405020304" pitchFamily="18" charset="0"/>
-                <a:cs typeface="Times New Roman" pitchFamily="18" charset="0"/>
-              </a:rPr>
-              <a:t>художников </a:t>
+              <a:t>“Art Gallery” стремится сделать мир искусства более открытым и доступным, соединяя талантливых художников с их потенциальными покупателями и ценителями </a:t>
             </a:r>
             <a:r>
               <a:rPr lang="ru-RU" sz="2400" kern="1400" spc="25" dirty="0">
@@ -4074,23 +4057,8 @@
                 <a:ea typeface="Times New Roman" panose="02020603050405020304" pitchFamily="18" charset="0"/>
                 <a:cs typeface="Times New Roman" pitchFamily="18" charset="0"/>
               </a:rPr>
-              <a:t>и </a:t>
-            </a:r>
-            <a:r>
-              <a:rPr lang="ru-RU" sz="2400" kern="1400" spc="25" dirty="0" smtClean="0">
-                <a:effectLst/>
-                <a:latin typeface="Times New Roman" pitchFamily="18" charset="0"/>
-                <a:ea typeface="Times New Roman" panose="02020603050405020304" pitchFamily="18" charset="0"/>
-                <a:cs typeface="Times New Roman" pitchFamily="18" charset="0"/>
-              </a:rPr>
-              <a:t>картин.</a:t>
-            </a:r>
-            <a:endParaRPr lang="ru-RU" sz="2400" kern="1400" spc="25" dirty="0">
-              <a:effectLst/>
-              <a:latin typeface="Times New Roman" pitchFamily="18" charset="0"/>
-              <a:ea typeface="Times New Roman" panose="02020603050405020304" pitchFamily="18" charset="0"/>
-              <a:cs typeface="Times New Roman" pitchFamily="18" charset="0"/>
-            </a:endParaRPr>
+              <a:t>художников и картин.</a:t>
+            </a:r>
           </a:p>
           <a:p>
             <a:pPr indent="449580">
@@ -4277,7 +4245,7 @@
         </p:blipFill>
         <p:spPr bwMode="auto">
           <a:xfrm>
-            <a:off x="594654" y="2914548"/>
+            <a:off x="1037449" y="3000812"/>
             <a:ext cx="3963415" cy="2585102"/>
           </a:xfrm>
           <a:prstGeom prst="rect">
@@ -4615,24 +4583,17 @@
                 <a:latin typeface="Times New Roman" pitchFamily="18" charset="0"/>
                 <a:cs typeface="Times New Roman" pitchFamily="18" charset="0"/>
               </a:rPr>
-              <a:t>Диаграмму которой представили в </a:t>
-            </a:r>
-            <a:r>
-              <a:rPr lang="ru-RU" sz="2000" dirty="0" smtClean="0">
-                <a:latin typeface="Times New Roman" pitchFamily="18" charset="0"/>
-                <a:cs typeface="Times New Roman" pitchFamily="18" charset="0"/>
-              </a:rPr>
-              <a:t>отчете. (при помощи </a:t>
-            </a:r>
-            <a:r>
-              <a:rPr lang="en-US" sz="2000" dirty="0" err="1" smtClean="0">
+              <a:t>Диаграмму которой представили в отчете. (при помощи </a:t>
+            </a:r>
+            <a:r>
+              <a:rPr lang="en-US" sz="2000" dirty="0" err="1">
                 <a:latin typeface="Times New Roman" pitchFamily="18" charset="0"/>
                 <a:cs typeface="Times New Roman" pitchFamily="18" charset="0"/>
               </a:rPr>
               <a:t>VisualParadigm</a:t>
             </a:r>
             <a:r>
-              <a:rPr lang="en-US" sz="2000" dirty="0" smtClean="0">
+              <a:rPr lang="en-US" sz="2000" dirty="0">
                 <a:latin typeface="Times New Roman" pitchFamily="18" charset="0"/>
                 <a:cs typeface="Times New Roman" pitchFamily="18" charset="0"/>
               </a:rPr>
@@ -4645,42 +4606,12 @@
           </a:p>
         </p:txBody>
       </p:sp>
-      <p:pic>
-        <p:nvPicPr>
-          <p:cNvPr id="8" name="Рисунок 7">
-            <a:extLst>
-              <a:ext uri="{FF2B5EF4-FFF2-40B4-BE49-F238E27FC236}">
-                <a16:creationId xmlns="" xmlns:a16="http://schemas.microsoft.com/office/drawing/2014/main" id="{E1EC5238-87DE-E10D-F645-3918C7D1D72B}"/>
-              </a:ext>
-            </a:extLst>
-          </p:cNvPr>
-          <p:cNvPicPr>
-            <a:picLocks noChangeAspect="1"/>
-          </p:cNvPicPr>
-          <p:nvPr/>
-        </p:nvPicPr>
-        <p:blipFill>
-          <a:blip r:embed="rId3"/>
-          <a:stretch>
-            <a:fillRect/>
-          </a:stretch>
-        </p:blipFill>
-        <p:spPr>
-          <a:xfrm>
-            <a:off x="3638336" y="2600809"/>
-            <a:ext cx="4617144" cy="3520666"/>
-          </a:xfrm>
-          <a:prstGeom prst="rect">
-            <a:avLst/>
-          </a:prstGeom>
-        </p:spPr>
-      </p:pic>
       <p:sp>
         <p:nvSpPr>
           <p:cNvPr id="9" name="TextBox 8">
             <a:extLst>
               <a:ext uri="{FF2B5EF4-FFF2-40B4-BE49-F238E27FC236}">
-                <a16:creationId xmlns="" xmlns:a16="http://schemas.microsoft.com/office/drawing/2014/main" id="{1F51A783-B51F-059E-C23C-6D6E03846F24}"/>
+                <a16:creationId xmlns:a16="http://schemas.microsoft.com/office/drawing/2014/main" id="{1F51A783-B51F-059E-C23C-6D6E03846F24}"/>
               </a:ext>
             </a:extLst>
           </p:cNvPr>
@@ -4719,7 +4650,7 @@
           <p:nvPr/>
         </p:nvPicPr>
         <p:blipFill>
-          <a:blip r:embed="rId4" cstate="print">
+          <a:blip r:embed="rId3" cstate="print">
             <a:extLst>
               <a:ext uri="{28A0092B-C50C-407E-A947-70E740481C1C}">
                 <a14:useLocalDpi xmlns:a14="http://schemas.microsoft.com/office/drawing/2010/main" val="0"/>
@@ -4774,6 +4705,34 @@
           </a:extLst>
         </p:spPr>
       </p:pic>
+      <p:pic>
+        <p:nvPicPr>
+          <p:cNvPr id="10" name="Рисунок 9">
+            <a:extLst>
+              <a:ext uri="{FF2B5EF4-FFF2-40B4-BE49-F238E27FC236}">
+                <a16:creationId xmlns:a16="http://schemas.microsoft.com/office/drawing/2014/main" id="{0111314E-AEB1-4D31-B3C1-BA78A5D83DE4}"/>
+              </a:ext>
+            </a:extLst>
+          </p:cNvPr>
+          <p:cNvPicPr/>
+          <p:nvPr/>
+        </p:nvPicPr>
+        <p:blipFill>
+          <a:blip r:embed="rId4"/>
+          <a:stretch>
+            <a:fillRect/>
+          </a:stretch>
+        </p:blipFill>
+        <p:spPr>
+          <a:xfrm>
+            <a:off x="3475248" y="2326967"/>
+            <a:ext cx="4440873" cy="3753073"/>
+          </a:xfrm>
+          <a:prstGeom prst="rect">
+            <a:avLst/>
+          </a:prstGeom>
+        </p:spPr>
+      </p:pic>
     </p:spTree>
     <p:extLst>
       <p:ext uri="{BB962C8B-B14F-4D97-AF65-F5344CB8AC3E}">
@@ -4809,7 +4768,7 @@
         <p:cNvPr id="1" name="">
           <a:extLst>
             <a:ext uri="{FF2B5EF4-FFF2-40B4-BE49-F238E27FC236}">
-              <a16:creationId xmlns="" xmlns:a16="http://schemas.microsoft.com/office/drawing/2014/main" id="{D0F6D0F0-1378-644A-584A-B16D7D2649F1}"/>
+              <a16:creationId xmlns:a16="http://schemas.microsoft.com/office/drawing/2014/main" id="{D0F6D0F0-1378-644A-584A-B16D7D2649F1}"/>
             </a:ext>
           </a:extLst>
         </p:cNvPr>
@@ -4829,7 +4788,7 @@
           <p:cNvPr id="7" name="TextBox 6">
             <a:extLst>
               <a:ext uri="{FF2B5EF4-FFF2-40B4-BE49-F238E27FC236}">
-                <a16:creationId xmlns="" xmlns:a16="http://schemas.microsoft.com/office/drawing/2014/main" id="{DC5B5454-596A-8BF2-25AF-2443EEE83490}"/>
+                <a16:creationId xmlns:a16="http://schemas.microsoft.com/office/drawing/2014/main" id="{DC5B5454-596A-8BF2-25AF-2443EEE83490}"/>
               </a:ext>
             </a:extLst>
           </p:cNvPr>
@@ -4870,7 +4829,7 @@
           <p:cNvPr id="8" name="TextBox 7">
             <a:extLst>
               <a:ext uri="{FF2B5EF4-FFF2-40B4-BE49-F238E27FC236}">
-                <a16:creationId xmlns="" xmlns:a16="http://schemas.microsoft.com/office/drawing/2014/main" id="{82A6B17C-5BB7-55E2-84C8-ADA0EF63DADE}"/>
+                <a16:creationId xmlns:a16="http://schemas.microsoft.com/office/drawing/2014/main" id="{82A6B17C-5BB7-55E2-84C8-ADA0EF63DADE}"/>
               </a:ext>
             </a:extLst>
           </p:cNvPr>
@@ -4917,7 +4876,7 @@
           <p:cNvPr id="2" name="TextBox 1">
             <a:extLst>
               <a:ext uri="{FF2B5EF4-FFF2-40B4-BE49-F238E27FC236}">
-                <a16:creationId xmlns="" xmlns:a16="http://schemas.microsoft.com/office/drawing/2014/main" id="{C2A83AEE-149D-1AED-DB16-DE8F06CB258C}"/>
+                <a16:creationId xmlns:a16="http://schemas.microsoft.com/office/drawing/2014/main" id="{C2A83AEE-149D-1AED-DB16-DE8F06CB258C}"/>
               </a:ext>
             </a:extLst>
           </p:cNvPr>
@@ -4980,7 +4939,7 @@
           <p:cNvPr id="5" name="Рисунок 4">
             <a:extLst>
               <a:ext uri="{FF2B5EF4-FFF2-40B4-BE49-F238E27FC236}">
-                <a16:creationId xmlns="" xmlns:a16="http://schemas.microsoft.com/office/drawing/2014/main" id="{047881AF-86BE-822D-9F21-FEC8003B5C03}"/>
+                <a16:creationId xmlns:a16="http://schemas.microsoft.com/office/drawing/2014/main" id="{047881AF-86BE-822D-9F21-FEC8003B5C03}"/>
               </a:ext>
             </a:extLst>
           </p:cNvPr>
@@ -5104,7 +5063,7 @@
         <p:cNvPr id="1" name="">
           <a:extLst>
             <a:ext uri="{FF2B5EF4-FFF2-40B4-BE49-F238E27FC236}">
-              <a16:creationId xmlns="" xmlns:a16="http://schemas.microsoft.com/office/drawing/2014/main" id="{0AB65F0C-4CD5-AC5E-BE07-DBA976198E99}"/>
+              <a16:creationId xmlns:a16="http://schemas.microsoft.com/office/drawing/2014/main" id="{0AB65F0C-4CD5-AC5E-BE07-DBA976198E99}"/>
             </a:ext>
           </a:extLst>
         </p:cNvPr>
@@ -5124,7 +5083,7 @@
           <p:cNvPr id="7" name="TextBox 6">
             <a:extLst>
               <a:ext uri="{FF2B5EF4-FFF2-40B4-BE49-F238E27FC236}">
-                <a16:creationId xmlns="" xmlns:a16="http://schemas.microsoft.com/office/drawing/2014/main" id="{028C0B31-0C41-2BE1-09C8-42E14392733D}"/>
+                <a16:creationId xmlns:a16="http://schemas.microsoft.com/office/drawing/2014/main" id="{028C0B31-0C41-2BE1-09C8-42E14392733D}"/>
               </a:ext>
             </a:extLst>
           </p:cNvPr>
@@ -5165,7 +5124,7 @@
           <p:cNvPr id="8" name="TextBox 7">
             <a:extLst>
               <a:ext uri="{FF2B5EF4-FFF2-40B4-BE49-F238E27FC236}">
-                <a16:creationId xmlns="" xmlns:a16="http://schemas.microsoft.com/office/drawing/2014/main" id="{8C72DCF7-9E64-5F95-02E3-B14BAF09419A}"/>
+                <a16:creationId xmlns:a16="http://schemas.microsoft.com/office/drawing/2014/main" id="{8C72DCF7-9E64-5F95-02E3-B14BAF09419A}"/>
               </a:ext>
             </a:extLst>
           </p:cNvPr>
@@ -5212,7 +5171,7 @@
           <p:cNvPr id="2" name="TextBox 1">
             <a:extLst>
               <a:ext uri="{FF2B5EF4-FFF2-40B4-BE49-F238E27FC236}">
-                <a16:creationId xmlns="" xmlns:a16="http://schemas.microsoft.com/office/drawing/2014/main" id="{F7828C90-F6F1-9FF7-26DD-4226762CD275}"/>
+                <a16:creationId xmlns:a16="http://schemas.microsoft.com/office/drawing/2014/main" id="{F7828C90-F6F1-9FF7-26DD-4226762CD275}"/>
               </a:ext>
             </a:extLst>
           </p:cNvPr>
@@ -5310,7 +5269,7 @@
           <p:cNvPr id="4" name="Рисунок 3">
             <a:extLst>
               <a:ext uri="{FF2B5EF4-FFF2-40B4-BE49-F238E27FC236}">
-                <a16:creationId xmlns="" xmlns:a16="http://schemas.microsoft.com/office/drawing/2014/main" id="{ECA11410-67D6-2A55-2223-05F5B224FA97}"/>
+                <a16:creationId xmlns:a16="http://schemas.microsoft.com/office/drawing/2014/main" id="{ECA11410-67D6-2A55-2223-05F5B224FA97}"/>
               </a:ext>
             </a:extLst>
           </p:cNvPr>
@@ -5340,7 +5299,7 @@
           <p:cNvPr id="9" name="Рисунок 8">
             <a:extLst>
               <a:ext uri="{FF2B5EF4-FFF2-40B4-BE49-F238E27FC236}">
-                <a16:creationId xmlns="" xmlns:a16="http://schemas.microsoft.com/office/drawing/2014/main" id="{E1BD511D-7E3B-2501-AD1F-16AF42D88676}"/>
+                <a16:creationId xmlns:a16="http://schemas.microsoft.com/office/drawing/2014/main" id="{E1BD511D-7E3B-2501-AD1F-16AF42D88676}"/>
               </a:ext>
             </a:extLst>
           </p:cNvPr>
@@ -5876,7 +5835,7 @@
   <a:extraClrSchemeLst/>
   <a:extLst>
     <a:ext uri="{05A4C25C-085E-4340-85A3-A5531E510DB2}">
-      <thm15:themeFamily xmlns="" xmlns:thm15="http://schemas.microsoft.com/office/thememl/2012/main" name="Office Theme" id="{62F939B6-93AF-4DB8-9C6B-D6C7DFDC589F}" vid="{4A3C46E8-61CC-4603-A589-7422A47A8E4A}"/>
+      <thm15:themeFamily xmlns:thm15="http://schemas.microsoft.com/office/thememl/2012/main" name="Office Theme" id="{62F939B6-93AF-4DB8-9C6B-D6C7DFDC589F}" vid="{4A3C46E8-61CC-4603-A589-7422A47A8E4A}"/>
     </a:ext>
   </a:extLst>
 </a:theme>
